--- a/디자인/플로워 차트.pptx
+++ b/디자인/플로워 차트.pptx
@@ -243,7 +243,7 @@
           <a:p>
             <a:fld id="{D6B7C929-31A7-489B-B9BC-7753603417F1}" type="datetimeFigureOut">
               <a:rPr lang="ko-KR" altLang="en-US" smtClean="0"/>
-              <a:t>2023-10-12</a:t>
+              <a:t>2024-01-24</a:t>
             </a:fld>
             <a:endParaRPr lang="ko-KR" altLang="en-US"/>
           </a:p>
@@ -413,7 +413,7 @@
           <a:p>
             <a:fld id="{D6B7C929-31A7-489B-B9BC-7753603417F1}" type="datetimeFigureOut">
               <a:rPr lang="ko-KR" altLang="en-US" smtClean="0"/>
-              <a:t>2023-10-12</a:t>
+              <a:t>2024-01-24</a:t>
             </a:fld>
             <a:endParaRPr lang="ko-KR" altLang="en-US"/>
           </a:p>
@@ -593,7 +593,7 @@
           <a:p>
             <a:fld id="{D6B7C929-31A7-489B-B9BC-7753603417F1}" type="datetimeFigureOut">
               <a:rPr lang="ko-KR" altLang="en-US" smtClean="0"/>
-              <a:t>2023-10-12</a:t>
+              <a:t>2024-01-24</a:t>
             </a:fld>
             <a:endParaRPr lang="ko-KR" altLang="en-US"/>
           </a:p>
@@ -763,7 +763,7 @@
           <a:p>
             <a:fld id="{D6B7C929-31A7-489B-B9BC-7753603417F1}" type="datetimeFigureOut">
               <a:rPr lang="ko-KR" altLang="en-US" smtClean="0"/>
-              <a:t>2023-10-12</a:t>
+              <a:t>2024-01-24</a:t>
             </a:fld>
             <a:endParaRPr lang="ko-KR" altLang="en-US"/>
           </a:p>
@@ -1009,7 +1009,7 @@
           <a:p>
             <a:fld id="{D6B7C929-31A7-489B-B9BC-7753603417F1}" type="datetimeFigureOut">
               <a:rPr lang="ko-KR" altLang="en-US" smtClean="0"/>
-              <a:t>2023-10-12</a:t>
+              <a:t>2024-01-24</a:t>
             </a:fld>
             <a:endParaRPr lang="ko-KR" altLang="en-US"/>
           </a:p>
@@ -1241,7 +1241,7 @@
           <a:p>
             <a:fld id="{D6B7C929-31A7-489B-B9BC-7753603417F1}" type="datetimeFigureOut">
               <a:rPr lang="ko-KR" altLang="en-US" smtClean="0"/>
-              <a:t>2023-10-12</a:t>
+              <a:t>2024-01-24</a:t>
             </a:fld>
             <a:endParaRPr lang="ko-KR" altLang="en-US"/>
           </a:p>
@@ -1608,7 +1608,7 @@
           <a:p>
             <a:fld id="{D6B7C929-31A7-489B-B9BC-7753603417F1}" type="datetimeFigureOut">
               <a:rPr lang="ko-KR" altLang="en-US" smtClean="0"/>
-              <a:t>2023-10-12</a:t>
+              <a:t>2024-01-24</a:t>
             </a:fld>
             <a:endParaRPr lang="ko-KR" altLang="en-US"/>
           </a:p>
@@ -1726,7 +1726,7 @@
           <a:p>
             <a:fld id="{D6B7C929-31A7-489B-B9BC-7753603417F1}" type="datetimeFigureOut">
               <a:rPr lang="ko-KR" altLang="en-US" smtClean="0"/>
-              <a:t>2023-10-12</a:t>
+              <a:t>2024-01-24</a:t>
             </a:fld>
             <a:endParaRPr lang="ko-KR" altLang="en-US"/>
           </a:p>
@@ -1821,7 +1821,7 @@
           <a:p>
             <a:fld id="{D6B7C929-31A7-489B-B9BC-7753603417F1}" type="datetimeFigureOut">
               <a:rPr lang="ko-KR" altLang="en-US" smtClean="0"/>
-              <a:t>2023-10-12</a:t>
+              <a:t>2024-01-24</a:t>
             </a:fld>
             <a:endParaRPr lang="ko-KR" altLang="en-US"/>
           </a:p>
@@ -2098,7 +2098,7 @@
           <a:p>
             <a:fld id="{D6B7C929-31A7-489B-B9BC-7753603417F1}" type="datetimeFigureOut">
               <a:rPr lang="ko-KR" altLang="en-US" smtClean="0"/>
-              <a:t>2023-10-12</a:t>
+              <a:t>2024-01-24</a:t>
             </a:fld>
             <a:endParaRPr lang="ko-KR" altLang="en-US"/>
           </a:p>
@@ -2351,7 +2351,7 @@
           <a:p>
             <a:fld id="{D6B7C929-31A7-489B-B9BC-7753603417F1}" type="datetimeFigureOut">
               <a:rPr lang="ko-KR" altLang="en-US" smtClean="0"/>
-              <a:t>2023-10-12</a:t>
+              <a:t>2024-01-24</a:t>
             </a:fld>
             <a:endParaRPr lang="ko-KR" altLang="en-US"/>
           </a:p>
@@ -2564,7 +2564,7 @@
           <a:p>
             <a:fld id="{D6B7C929-31A7-489B-B9BC-7753603417F1}" type="datetimeFigureOut">
               <a:rPr lang="ko-KR" altLang="en-US" smtClean="0"/>
-              <a:t>2023-10-12</a:t>
+              <a:t>2024-01-24</a:t>
             </a:fld>
             <a:endParaRPr lang="ko-KR" altLang="en-US"/>
           </a:p>
@@ -4421,11 +4421,15 @@
           <a:p>
             <a:r>
               <a:rPr lang="ko-KR" altLang="en-US" b="1" dirty="0" err="1" smtClean="0"/>
-              <a:t>플로워</a:t>
+              <a:t>플로우</a:t>
             </a:r>
             <a:r>
               <a:rPr lang="ko-KR" altLang="en-US" b="1" dirty="0" smtClean="0"/>
-              <a:t> 차트</a:t>
+              <a:t> </a:t>
+            </a:r>
+            <a:r>
+              <a:rPr lang="ko-KR" altLang="en-US" b="1" dirty="0" smtClean="0"/>
+              <a:t>차트</a:t>
             </a:r>
             <a:endParaRPr lang="en-US" altLang="ko-KR" b="1" dirty="0" smtClean="0"/>
           </a:p>
